--- a/系統分析期末報告.pptx
+++ b/系統分析期末報告.pptx
@@ -349,7 +349,7 @@
           <a:p>
             <a:fld id="{9AB3A824-1A51-4B26-AD58-A6D8E14F6C04}" type="datetimeFigureOut">
               <a:rPr lang="en-US" dirty="0"/>
-              <a:t>6/20/2022</a:t>
+              <a:t>6/21/2022</a:t>
             </a:fld>
             <a:endParaRPr lang="en-US"/>
           </a:p>
@@ -686,7 +686,7 @@
           <a:p>
             <a:fld id="{D857E33E-8B18-4087-B112-809917729534}" type="datetimeFigureOut">
               <a:rPr lang="en-US" dirty="0"/>
-              <a:t>6/20/2022</a:t>
+              <a:t>6/21/2022</a:t>
             </a:fld>
             <a:endParaRPr lang="en-US"/>
           </a:p>
@@ -991,7 +991,7 @@
           <a:p>
             <a:fld id="{D3FFE419-2371-464F-8239-3959401C3561}" type="datetimeFigureOut">
               <a:rPr lang="en-US" dirty="0"/>
-              <a:t>6/20/2022</a:t>
+              <a:t>6/21/2022</a:t>
             </a:fld>
             <a:endParaRPr lang="en-US"/>
           </a:p>
@@ -1241,7 +1241,7 @@
           <a:p>
             <a:fld id="{97D162C4-EDD9-4389-A98B-B87ECEA2A816}" type="datetimeFigureOut">
               <a:rPr lang="en-US" dirty="0"/>
-              <a:t>6/20/2022</a:t>
+              <a:t>6/21/2022</a:t>
             </a:fld>
             <a:endParaRPr lang="en-US"/>
           </a:p>
@@ -1652,7 +1652,7 @@
           <a:p>
             <a:fld id="{3E5059C3-6A89-4494-99FF-5A4D6FFD50EB}" type="datetimeFigureOut">
               <a:rPr lang="en-US" dirty="0"/>
-              <a:t>6/20/2022</a:t>
+              <a:t>6/21/2022</a:t>
             </a:fld>
             <a:endParaRPr lang="en-US"/>
           </a:p>
@@ -1968,7 +1968,7 @@
           <a:p>
             <a:fld id="{CA954B2F-12DE-47F5-8894-472B206D2E1E}" type="datetimeFigureOut">
               <a:rPr lang="en-US" dirty="0"/>
-              <a:t>6/20/2022</a:t>
+              <a:t>6/21/2022</a:t>
             </a:fld>
             <a:endParaRPr lang="en-US"/>
           </a:p>
@@ -2514,7 +2514,7 @@
           <a:p>
             <a:fld id="{3F30E46F-7819-4ACF-B48B-48222C2ACC88}" type="datetimeFigureOut">
               <a:rPr lang="en-US" dirty="0"/>
-              <a:t>6/20/2022</a:t>
+              <a:t>6/21/2022</a:t>
             </a:fld>
             <a:endParaRPr lang="en-US"/>
           </a:p>
@@ -2713,7 +2713,7 @@
           <a:p>
             <a:fld id="{1FAF3416-4057-4DAA-829D-4CA07428D088}" type="datetimeFigureOut">
               <a:rPr lang="en-US" dirty="0"/>
-              <a:t>6/20/2022</a:t>
+              <a:t>6/21/2022</a:t>
             </a:fld>
             <a:endParaRPr lang="en-US"/>
           </a:p>
@@ -2931,7 +2931,7 @@
           <a:p>
             <a:fld id="{921D9284-D300-4297-87F7-E791DCC15DB1}" type="datetimeFigureOut">
               <a:rPr lang="en-US" dirty="0"/>
-              <a:t>6/20/2022</a:t>
+              <a:t>6/21/2022</a:t>
             </a:fld>
             <a:endParaRPr lang="en-US"/>
           </a:p>
@@ -3303,7 +3303,7 @@
           <a:p>
             <a:fld id="{37D525BB-DA17-4BA0-B3C8-3AC3ABC827E6}" type="datetimeFigureOut">
               <a:rPr lang="en-US" dirty="0"/>
-              <a:t>6/20/2022</a:t>
+              <a:t>6/21/2022</a:t>
             </a:fld>
             <a:endParaRPr lang="en-US"/>
           </a:p>
@@ -3706,7 +3706,7 @@
           <a:p>
             <a:fld id="{B16C4C9A-3960-41CF-A4E9-2A8FB932454B}" type="datetimeFigureOut">
               <a:rPr lang="en-US" dirty="0"/>
-              <a:t>6/20/2022</a:t>
+              <a:t>6/21/2022</a:t>
             </a:fld>
             <a:endParaRPr lang="en-US"/>
           </a:p>
@@ -4048,7 +4048,7 @@
           <a:p>
             <a:fld id="{3CBC1C18-307B-4F68-A007-B5B542270E8D}" type="datetimeFigureOut">
               <a:rPr lang="en-US" dirty="0"/>
-              <a:t>6/20/2022</a:t>
+              <a:t>6/21/2022</a:t>
             </a:fld>
             <a:endParaRPr lang="en-US"/>
           </a:p>
@@ -4630,26 +4630,56 @@
           <a:lstStyle/>
           <a:p>
             <a:r>
-              <a:rPr lang="en-US" altLang="zh-TW">
+              <a:rPr lang="en-US" altLang="zh-TW" dirty="0">
                 <a:ea typeface="新細明體"/>
                 <a:cs typeface="Arial"/>
               </a:rPr>
               <a:t>109111134林禹廷</a:t>
             </a:r>
-            <a:endParaRPr lang="zh-TW" altLang="en-US">
+            <a:r>
+              <a:rPr lang="en-US" altLang="zh-TW" b="0" i="0" u="none" strike="noStrike" dirty="0">
+                <a:solidFill>
+                  <a:srgbClr val="FFFFFF"/>
+                </a:solidFill>
+                <a:effectLst/>
+                <a:latin typeface="Arial" panose="020B0604020202020204" pitchFamily="34" charset="0"/>
+              </a:rPr>
+              <a:t>  git-&gt; s9606105</a:t>
+            </a:r>
+            <a:r>
+              <a:rPr lang="en-US" altLang="zh-TW" b="0" i="0" dirty="0">
+                <a:solidFill>
+                  <a:srgbClr val="000000"/>
+                </a:solidFill>
+                <a:effectLst/>
+                <a:latin typeface="Arial" panose="020B0604020202020204" pitchFamily="34" charset="0"/>
+              </a:rPr>
+              <a:t>​</a:t>
+            </a:r>
+            <a:endParaRPr lang="zh-TW" altLang="en-US" dirty="0">
               <a:ea typeface="新細明體" panose="02020500000000000000" pitchFamily="18" charset="-120"/>
               <a:cs typeface="Arial"/>
             </a:endParaRPr>
           </a:p>
           <a:p>
             <a:r>
-              <a:rPr lang="en-US" altLang="zh-TW">
+              <a:rPr lang="en-US" altLang="zh-TW" dirty="0">
                 <a:ea typeface="新細明體"/>
                 <a:cs typeface="Arial"/>
               </a:rPr>
               <a:t>109111139繆昊廷</a:t>
             </a:r>
-            <a:endParaRPr lang="zh-TW" altLang="en-US">
+            <a:r>
+              <a:rPr lang="en-US" altLang="zh-TW" b="0" i="0" u="none" strike="noStrike" dirty="0">
+                <a:solidFill>
+                  <a:srgbClr val="FFFFFF"/>
+                </a:solidFill>
+                <a:effectLst/>
+                <a:latin typeface="Arial" panose="020B0604020202020204" pitchFamily="34" charset="0"/>
+              </a:rPr>
+              <a:t>  git-&gt; 109111139</a:t>
+            </a:r>
+            <a:endParaRPr lang="zh-TW" altLang="en-US" dirty="0">
               <a:ea typeface="新細明體"/>
               <a:cs typeface="Arial"/>
             </a:endParaRPr>
@@ -4952,13 +4982,53 @@
           <a:p>
             <a:pPr marL="344170" indent="-344170"/>
             <a:r>
-              <a:rPr lang="zh-TW" altLang="en-US">
+              <a:rPr lang="zh-TW" altLang="en-US" dirty="0">
                 <a:ea typeface="新細明體"/>
                 <a:cs typeface="Arial"/>
               </a:rPr>
               <a:t>109111139繆昊廷 </a:t>
             </a:r>
-            <a:endParaRPr lang="zh-TW">
+            <a:r>
+              <a:rPr lang="en-US" altLang="zh-TW" b="0" i="0" u="none" strike="noStrike" dirty="0">
+                <a:solidFill>
+                  <a:srgbClr val="FFFFFF"/>
+                </a:solidFill>
+                <a:effectLst/>
+                <a:latin typeface="Arial" panose="020B0604020202020204" pitchFamily="34" charset="0"/>
+              </a:rPr>
+              <a:t>  </a:t>
+            </a:r>
+            <a:r>
+              <a:rPr lang="zh-TW" altLang="en-US" b="0" i="0" u="none" strike="noStrike">
+                <a:solidFill>
+                  <a:srgbClr val="FFFFFF"/>
+                </a:solidFill>
+                <a:effectLst/>
+                <a:latin typeface="Arial" panose="020B0604020202020204" pitchFamily="34" charset="0"/>
+              </a:rPr>
+              <a:t> </a:t>
+            </a:r>
+            <a:r>
+              <a:rPr lang="en-US" altLang="zh-TW" b="0" i="0" u="none" strike="noStrike">
+                <a:solidFill>
+                  <a:srgbClr val="FFFFFF"/>
+                </a:solidFill>
+                <a:effectLst/>
+                <a:latin typeface="Arial" panose="020B0604020202020204" pitchFamily="34" charset="0"/>
+              </a:rPr>
+              <a:t>git-</a:t>
+            </a:r>
+            <a:r>
+              <a:rPr lang="en-US" altLang="zh-TW" b="0" i="0" u="none" strike="noStrike" dirty="0">
+                <a:solidFill>
+                  <a:srgbClr val="FFFFFF"/>
+                </a:solidFill>
+                <a:effectLst/>
+                <a:latin typeface="Arial" panose="020B0604020202020204" pitchFamily="34" charset="0"/>
+              </a:rPr>
+              <a:t>&gt; 109111139</a:t>
+            </a:r>
+            <a:endParaRPr lang="zh-TW" dirty="0">
               <a:ea typeface="新細明體"/>
               <a:cs typeface="Arial"/>
             </a:endParaRPr>
@@ -4966,13 +5036,13 @@
           <a:p>
             <a:pPr marL="795020" lvl="1" indent="-337820"/>
             <a:r>
-              <a:rPr lang="zh-TW" altLang="en-US">
+              <a:rPr lang="zh-TW" altLang="en-US" dirty="0">
                 <a:ea typeface="新細明體"/>
                 <a:cs typeface="Arial"/>
               </a:rPr>
               <a:t>利害關係人表、事件表、使用案例、ppt製作、使用案例微修正</a:t>
             </a:r>
-            <a:endParaRPr lang="zh-TW">
+            <a:endParaRPr lang="zh-TW" dirty="0">
               <a:ea typeface="新細明體"/>
               <a:cs typeface="Arial"/>
             </a:endParaRPr>
@@ -4980,18 +5050,58 @@
           <a:p>
             <a:pPr marL="344170" indent="-344170"/>
             <a:r>
-              <a:rPr lang="zh-TW" altLang="en-US">
+              <a:rPr lang="zh-TW" altLang="en-US" dirty="0">
                 <a:ea typeface="新細明體"/>
                 <a:cs typeface="Arial"/>
               </a:rPr>
               <a:t>109111134林禹廷 </a:t>
             </a:r>
-            <a:endParaRPr lang="zh-TW"/>
+            <a:r>
+              <a:rPr lang="en-US" altLang="zh-TW" b="0" i="0" u="none" strike="noStrike" dirty="0">
+                <a:solidFill>
+                  <a:srgbClr val="FFFFFF"/>
+                </a:solidFill>
+                <a:effectLst/>
+                <a:latin typeface="Arial" panose="020B0604020202020204" pitchFamily="34" charset="0"/>
+              </a:rPr>
+              <a:t> </a:t>
+            </a:r>
+            <a:r>
+              <a:rPr lang="zh-TW" altLang="en-US" b="0" i="0" u="none" strike="noStrike" dirty="0">
+                <a:solidFill>
+                  <a:srgbClr val="FFFFFF"/>
+                </a:solidFill>
+                <a:effectLst/>
+                <a:latin typeface="Arial" panose="020B0604020202020204" pitchFamily="34" charset="0"/>
+              </a:rPr>
+              <a:t>  </a:t>
+            </a:r>
+            <a:r>
+              <a:rPr lang="en-US" altLang="zh-TW" b="0" i="0" u="none" strike="noStrike" dirty="0">
+                <a:solidFill>
+                  <a:srgbClr val="FFFFFF"/>
+                </a:solidFill>
+                <a:effectLst/>
+                <a:latin typeface="Arial" panose="020B0604020202020204" pitchFamily="34" charset="0"/>
+              </a:rPr>
+              <a:t>git-&gt; s9606105</a:t>
+            </a:r>
+            <a:r>
+              <a:rPr lang="en-US" altLang="zh-TW" b="0" i="0" dirty="0">
+                <a:solidFill>
+                  <a:srgbClr val="000000"/>
+                </a:solidFill>
+                <a:effectLst/>
+                <a:latin typeface="Arial" panose="020B0604020202020204" pitchFamily="34" charset="0"/>
+              </a:rPr>
+              <a:t>​</a:t>
+            </a:r>
+            <a:endParaRPr lang="zh-TW" dirty="0"/>
           </a:p>
           <a:p>
             <a:pPr marL="795020" lvl="1" indent="-337820"/>
             <a:r>
-              <a:rPr lang="zh-TW" altLang="en-US">
+              <a:rPr lang="zh-TW" altLang="en-US" dirty="0">
                 <a:ea typeface="新細明體"/>
                 <a:cs typeface="Arial"/>
               </a:rPr>

--- a/系統分析期末報告.pptx
+++ b/系統分析期末報告.pptx
@@ -126,12 +126,41 @@
 <file path=ppt/revisionInfo.xml><?xml version="1.0" encoding="utf-8"?>
 <p1510:revInfo xmlns:a="http://schemas.openxmlformats.org/drawingml/2006/main" xmlns:r="http://schemas.openxmlformats.org/officeDocument/2006/relationships" xmlns:p1510="http://schemas.microsoft.com/office/powerpoint/2015/10/main">
   <p1510:revLst>
-    <p1510:client id="{08FA4755-8CA7-403F-8395-1068E1B10C69}" v="29" dt="2022-06-19T13:05:53.717"/>
     <p1510:client id="{2115C5C4-B4A4-1771-444D-C6C5A290B949}" v="619" dt="2022-06-20T14:24:08.980"/>
+    <p1510:client id="{2B3B6941-D72E-4376-80D0-D91344E76758}" v="3" dt="2022-06-20T16:45:16.947"/>
     <p1510:client id="{5286BD27-8CFE-3AEC-57DE-424FEA3B8ABB}" v="743" dt="2022-06-20T12:34:28.310"/>
     <p1510:client id="{6359A04E-8DB8-3818-9404-9C6F472DB237}" v="324" dt="2022-06-20T14:14:44.690"/>
   </p1510:revLst>
 </p1510:revInfo>
+</file>
+
+<file path=ppt/changesInfos/changesInfo1.xml><?xml version="1.0" encoding="utf-8"?>
+<pc:chgInfo xmlns:a="http://schemas.openxmlformats.org/drawingml/2006/main" xmlns:r="http://schemas.openxmlformats.org/officeDocument/2006/relationships" xmlns:ac="http://schemas.microsoft.com/office/drawing/2013/main/command" xmlns:pc="http://schemas.microsoft.com/office/powerpoint/2013/main/command">
+  <pc:docChgLst>
+    <pc:chgData name="b enson" userId="ddb268c3595067fb" providerId="LiveId" clId="{2B3B6941-D72E-4376-80D0-D91344E76758}"/>
+    <pc:docChg chg="modSld">
+      <pc:chgData name="b enson" userId="ddb268c3595067fb" providerId="LiveId" clId="{2B3B6941-D72E-4376-80D0-D91344E76758}" dt="2022-06-20T16:45:23.164" v="8" actId="20577"/>
+      <pc:docMkLst>
+        <pc:docMk/>
+      </pc:docMkLst>
+      <pc:sldChg chg="modSp mod">
+        <pc:chgData name="b enson" userId="ddb268c3595067fb" providerId="LiveId" clId="{2B3B6941-D72E-4376-80D0-D91344E76758}" dt="2022-06-20T16:45:23.164" v="8" actId="20577"/>
+        <pc:sldMkLst>
+          <pc:docMk/>
+          <pc:sldMk cId="120168661" sldId="269"/>
+        </pc:sldMkLst>
+        <pc:spChg chg="mod">
+          <ac:chgData name="b enson" userId="ddb268c3595067fb" providerId="LiveId" clId="{2B3B6941-D72E-4376-80D0-D91344E76758}" dt="2022-06-20T16:45:23.164" v="8" actId="20577"/>
+          <ac:spMkLst>
+            <pc:docMk/>
+            <pc:sldMk cId="120168661" sldId="269"/>
+            <ac:spMk id="3" creationId="{E28FAA33-509B-7AC1-2068-52ADD5D8A415}"/>
+          </ac:spMkLst>
+        </pc:spChg>
+      </pc:sldChg>
+    </pc:docChg>
+  </pc:docChgLst>
+</pc:chgInfo>
 </file>
 
 <file path=ppt/slideLayouts/slideLayout1.xml><?xml version="1.0" encoding="utf-8"?>
@@ -349,7 +378,7 @@
           <a:p>
             <a:fld id="{9AB3A824-1A51-4B26-AD58-A6D8E14F6C04}" type="datetimeFigureOut">
               <a:rPr lang="en-US" dirty="0"/>
-              <a:t>6/20/2022</a:t>
+              <a:t>6/21/2022</a:t>
             </a:fld>
             <a:endParaRPr lang="en-US"/>
           </a:p>
@@ -686,7 +715,7 @@
           <a:p>
             <a:fld id="{D857E33E-8B18-4087-B112-809917729534}" type="datetimeFigureOut">
               <a:rPr lang="en-US" dirty="0"/>
-              <a:t>6/20/2022</a:t>
+              <a:t>6/21/2022</a:t>
             </a:fld>
             <a:endParaRPr lang="en-US"/>
           </a:p>
@@ -991,7 +1020,7 @@
           <a:p>
             <a:fld id="{D3FFE419-2371-464F-8239-3959401C3561}" type="datetimeFigureOut">
               <a:rPr lang="en-US" dirty="0"/>
-              <a:t>6/20/2022</a:t>
+              <a:t>6/21/2022</a:t>
             </a:fld>
             <a:endParaRPr lang="en-US"/>
           </a:p>
@@ -1241,7 +1270,7 @@
           <a:p>
             <a:fld id="{97D162C4-EDD9-4389-A98B-B87ECEA2A816}" type="datetimeFigureOut">
               <a:rPr lang="en-US" dirty="0"/>
-              <a:t>6/20/2022</a:t>
+              <a:t>6/21/2022</a:t>
             </a:fld>
             <a:endParaRPr lang="en-US"/>
           </a:p>
@@ -1652,7 +1681,7 @@
           <a:p>
             <a:fld id="{3E5059C3-6A89-4494-99FF-5A4D6FFD50EB}" type="datetimeFigureOut">
               <a:rPr lang="en-US" dirty="0"/>
-              <a:t>6/20/2022</a:t>
+              <a:t>6/21/2022</a:t>
             </a:fld>
             <a:endParaRPr lang="en-US"/>
           </a:p>
@@ -1968,7 +1997,7 @@
           <a:p>
             <a:fld id="{CA954B2F-12DE-47F5-8894-472B206D2E1E}" type="datetimeFigureOut">
               <a:rPr lang="en-US" dirty="0"/>
-              <a:t>6/20/2022</a:t>
+              <a:t>6/21/2022</a:t>
             </a:fld>
             <a:endParaRPr lang="en-US"/>
           </a:p>
@@ -2514,7 +2543,7 @@
           <a:p>
             <a:fld id="{3F30E46F-7819-4ACF-B48B-48222C2ACC88}" type="datetimeFigureOut">
               <a:rPr lang="en-US" dirty="0"/>
-              <a:t>6/20/2022</a:t>
+              <a:t>6/21/2022</a:t>
             </a:fld>
             <a:endParaRPr lang="en-US"/>
           </a:p>
@@ -2713,7 +2742,7 @@
           <a:p>
             <a:fld id="{1FAF3416-4057-4DAA-829D-4CA07428D088}" type="datetimeFigureOut">
               <a:rPr lang="en-US" dirty="0"/>
-              <a:t>6/20/2022</a:t>
+              <a:t>6/21/2022</a:t>
             </a:fld>
             <a:endParaRPr lang="en-US"/>
           </a:p>
@@ -2931,7 +2960,7 @@
           <a:p>
             <a:fld id="{921D9284-D300-4297-87F7-E791DCC15DB1}" type="datetimeFigureOut">
               <a:rPr lang="en-US" dirty="0"/>
-              <a:t>6/20/2022</a:t>
+              <a:t>6/21/2022</a:t>
             </a:fld>
             <a:endParaRPr lang="en-US"/>
           </a:p>
@@ -3303,7 +3332,7 @@
           <a:p>
             <a:fld id="{37D525BB-DA17-4BA0-B3C8-3AC3ABC827E6}" type="datetimeFigureOut">
               <a:rPr lang="en-US" dirty="0"/>
-              <a:t>6/20/2022</a:t>
+              <a:t>6/21/2022</a:t>
             </a:fld>
             <a:endParaRPr lang="en-US"/>
           </a:p>
@@ -3706,7 +3735,7 @@
           <a:p>
             <a:fld id="{B16C4C9A-3960-41CF-A4E9-2A8FB932454B}" type="datetimeFigureOut">
               <a:rPr lang="en-US" dirty="0"/>
-              <a:t>6/20/2022</a:t>
+              <a:t>6/21/2022</a:t>
             </a:fld>
             <a:endParaRPr lang="en-US"/>
           </a:p>
@@ -4048,7 +4077,7 @@
           <a:p>
             <a:fld id="{3CBC1C18-307B-4F68-A007-B5B542270E8D}" type="datetimeFigureOut">
               <a:rPr lang="en-US" dirty="0"/>
-              <a:t>6/20/2022</a:t>
+              <a:t>6/21/2022</a:t>
             </a:fld>
             <a:endParaRPr lang="en-US"/>
           </a:p>
@@ -5087,17 +5116,24 @@
           <a:p>
             <a:pPr marL="344170" indent="-344170"/>
             <a:r>
+              <a:rPr lang="zh-TW" altLang="en-US" dirty="0">
+                <a:ea typeface="新細明體"/>
+                <a:cs typeface="Arial" panose="020B0604020202020204"/>
+              </a:rPr>
+              <a:t>以instagram為主軸，寫出利害關係人表、事件表、使用案例圖、使用案例、初步類別圖、系統循序圖</a:t>
+            </a:r>
+            <a:r>
               <a:rPr lang="zh-TW" altLang="en-US">
                 <a:ea typeface="新細明體"/>
                 <a:cs typeface="Arial" panose="020B0604020202020204"/>
               </a:rPr>
-              <a:t>以instagram為主軸，寫出利害關係人表、事件表、使用案例圖、使用案例、初步類別圖、系統循序圖、合約。</a:t>
+              <a:t>、合約。</a:t>
             </a:r>
           </a:p>
           <a:p>
             <a:pPr marL="344170" indent="-344170"/>
             <a:r>
-              <a:rPr lang="zh-TW" altLang="en-US">
+              <a:rPr lang="zh-TW" altLang="en-US" dirty="0">
                 <a:ea typeface="新細明體"/>
                 <a:cs typeface="Arial" panose="020B0604020202020204"/>
               </a:rPr>
